--- a/1_Openai/1_OpenAI API.pptx
+++ b/1_Openai/1_OpenAI API.pptx
@@ -7734,7 +7734,7 @@
           <p:nvPr>
             <p:extLst>
               <p:ext uri="{D42A27DB-BD31-4B8C-83A1-F6EECF244321}">
-                <p14:modId xmlns:p14="http://schemas.microsoft.com/office/powerpoint/2010/main" val="584573381"/>
+                <p14:modId xmlns:p14="http://schemas.microsoft.com/office/powerpoint/2010/main" val="3383755428"/>
               </p:ext>
             </p:extLst>
           </p:nvPr>
@@ -8000,7 +8000,11 @@
                     <a:p>
                       <a:r>
                         <a:rPr lang="en-US" dirty="0"/>
-                        <a:t>Attach tools</a:t>
+                        <a:t>Use a different LLM </a:t>
+                      </a:r>
+                      <a:r>
+                        <a:rPr lang="en-US"/>
+                        <a:t>(Gemini)</a:t>
                       </a:r>
                       <a:endParaRPr lang="en-GB" dirty="0"/>
                     </a:p>
@@ -8252,11 +8256,7 @@
                     <a:p>
                       <a:r>
                         <a:rPr lang="en-IN" dirty="0"/>
-                        <a:t>Chatbot for Warren Buffett </a:t>
-                      </a:r>
-                      <a:r>
-                        <a:rPr lang="en-IN"/>
-                        <a:t>related questions</a:t>
+                        <a:t>Chatbot for Warren Buffett related questions</a:t>
                       </a:r>
                       <a:endParaRPr lang="en-GB" dirty="0"/>
                     </a:p>
